--- a/materials/slides/ch08-conclusion.pptx
+++ b/materials/slides/ch08-conclusion.pptx
@@ -6998,6 +6998,226 @@
       <p:transition spd="slow"/>
     </mc:Fallback>
   </mc:AlternateContent>
+  <p:timing>
+    <p:tnLst>
+      <p:par>
+        <p:cTn id="1" dur="indefinite" restart="never" nodeType="tmRoot">
+          <p:childTnLst>
+            <p:seq concurrent="1" nextAc="seek">
+              <p:cTn id="2" dur="indefinite" nodeType="mainSeq">
+                <p:childTnLst>
+                  <p:par>
+                    <p:cTn id="3" fill="hold">
+                      <p:stCondLst>
+                        <p:cond delay="indefinite"/>
+                      </p:stCondLst>
+                      <p:childTnLst>
+                        <p:par>
+                          <p:cTn id="4" fill="hold">
+                            <p:stCondLst>
+                              <p:cond delay="0"/>
+                            </p:stCondLst>
+                            <p:childTnLst>
+                              <p:par>
+                                <p:cTn id="5" presetID="10" presetClass="entr" presetSubtype="0" fill="hold" nodeType="clickEffect">
+                                  <p:stCondLst>
+                                    <p:cond delay="0"/>
+                                  </p:stCondLst>
+                                  <p:childTnLst>
+                                    <p:set>
+                                      <p:cBhvr>
+                                        <p:cTn id="6" dur="1" fill="hold">
+                                          <p:stCondLst>
+                                            <p:cond delay="0"/>
+                                          </p:stCondLst>
+                                        </p:cTn>
+                                        <p:tgtEl>
+                                          <p:spTgt spid="4">
+                                            <p:txEl>
+                                              <p:pRg st="4" end="4"/>
+                                            </p:txEl>
+                                          </p:spTgt>
+                                        </p:tgtEl>
+                                        <p:attrNameLst>
+                                          <p:attrName>style.visibility</p:attrName>
+                                        </p:attrNameLst>
+                                      </p:cBhvr>
+                                      <p:to>
+                                        <p:strVal val="visible"/>
+                                      </p:to>
+                                    </p:set>
+                                    <p:animEffect transition="in" filter="fade">
+                                      <p:cBhvr>
+                                        <p:cTn id="7" dur="500"/>
+                                        <p:tgtEl>
+                                          <p:spTgt spid="4">
+                                            <p:txEl>
+                                              <p:pRg st="4" end="4"/>
+                                            </p:txEl>
+                                          </p:spTgt>
+                                        </p:tgtEl>
+                                      </p:cBhvr>
+                                    </p:animEffect>
+                                  </p:childTnLst>
+                                </p:cTn>
+                              </p:par>
+                              <p:par>
+                                <p:cTn id="8" presetID="10" presetClass="entr" presetSubtype="0" fill="hold" nodeType="withEffect">
+                                  <p:stCondLst>
+                                    <p:cond delay="0"/>
+                                  </p:stCondLst>
+                                  <p:childTnLst>
+                                    <p:set>
+                                      <p:cBhvr>
+                                        <p:cTn id="9" dur="1" fill="hold">
+                                          <p:stCondLst>
+                                            <p:cond delay="0"/>
+                                          </p:stCondLst>
+                                        </p:cTn>
+                                        <p:tgtEl>
+                                          <p:spTgt spid="4">
+                                            <p:txEl>
+                                              <p:pRg st="5" end="5"/>
+                                            </p:txEl>
+                                          </p:spTgt>
+                                        </p:tgtEl>
+                                        <p:attrNameLst>
+                                          <p:attrName>style.visibility</p:attrName>
+                                        </p:attrNameLst>
+                                      </p:cBhvr>
+                                      <p:to>
+                                        <p:strVal val="visible"/>
+                                      </p:to>
+                                    </p:set>
+                                    <p:animEffect transition="in" filter="fade">
+                                      <p:cBhvr>
+                                        <p:cTn id="10" dur="500"/>
+                                        <p:tgtEl>
+                                          <p:spTgt spid="4">
+                                            <p:txEl>
+                                              <p:pRg st="5" end="5"/>
+                                            </p:txEl>
+                                          </p:spTgt>
+                                        </p:tgtEl>
+                                      </p:cBhvr>
+                                    </p:animEffect>
+                                  </p:childTnLst>
+                                </p:cTn>
+                              </p:par>
+                              <p:par>
+                                <p:cTn id="11" presetID="10" presetClass="entr" presetSubtype="0" fill="hold" nodeType="withEffect">
+                                  <p:stCondLst>
+                                    <p:cond delay="0"/>
+                                  </p:stCondLst>
+                                  <p:childTnLst>
+                                    <p:set>
+                                      <p:cBhvr>
+                                        <p:cTn id="12" dur="1" fill="hold">
+                                          <p:stCondLst>
+                                            <p:cond delay="0"/>
+                                          </p:stCondLst>
+                                        </p:cTn>
+                                        <p:tgtEl>
+                                          <p:spTgt spid="4">
+                                            <p:txEl>
+                                              <p:pRg st="6" end="6"/>
+                                            </p:txEl>
+                                          </p:spTgt>
+                                        </p:tgtEl>
+                                        <p:attrNameLst>
+                                          <p:attrName>style.visibility</p:attrName>
+                                        </p:attrNameLst>
+                                      </p:cBhvr>
+                                      <p:to>
+                                        <p:strVal val="visible"/>
+                                      </p:to>
+                                    </p:set>
+                                    <p:animEffect transition="in" filter="fade">
+                                      <p:cBhvr>
+                                        <p:cTn id="13" dur="500"/>
+                                        <p:tgtEl>
+                                          <p:spTgt spid="4">
+                                            <p:txEl>
+                                              <p:pRg st="6" end="6"/>
+                                            </p:txEl>
+                                          </p:spTgt>
+                                        </p:tgtEl>
+                                      </p:cBhvr>
+                                    </p:animEffect>
+                                  </p:childTnLst>
+                                </p:cTn>
+                              </p:par>
+                              <p:par>
+                                <p:cTn id="14" presetID="10" presetClass="entr" presetSubtype="0" fill="hold" nodeType="withEffect">
+                                  <p:stCondLst>
+                                    <p:cond delay="0"/>
+                                  </p:stCondLst>
+                                  <p:childTnLst>
+                                    <p:set>
+                                      <p:cBhvr>
+                                        <p:cTn id="15" dur="1" fill="hold">
+                                          <p:stCondLst>
+                                            <p:cond delay="0"/>
+                                          </p:stCondLst>
+                                        </p:cTn>
+                                        <p:tgtEl>
+                                          <p:spTgt spid="4">
+                                            <p:txEl>
+                                              <p:pRg st="7" end="7"/>
+                                            </p:txEl>
+                                          </p:spTgt>
+                                        </p:tgtEl>
+                                        <p:attrNameLst>
+                                          <p:attrName>style.visibility</p:attrName>
+                                        </p:attrNameLst>
+                                      </p:cBhvr>
+                                      <p:to>
+                                        <p:strVal val="visible"/>
+                                      </p:to>
+                                    </p:set>
+                                    <p:animEffect transition="in" filter="fade">
+                                      <p:cBhvr>
+                                        <p:cTn id="16" dur="500"/>
+                                        <p:tgtEl>
+                                          <p:spTgt spid="4">
+                                            <p:txEl>
+                                              <p:pRg st="7" end="7"/>
+                                            </p:txEl>
+                                          </p:spTgt>
+                                        </p:tgtEl>
+                                      </p:cBhvr>
+                                    </p:animEffect>
+                                  </p:childTnLst>
+                                </p:cTn>
+                              </p:par>
+                            </p:childTnLst>
+                          </p:cTn>
+                        </p:par>
+                      </p:childTnLst>
+                    </p:cTn>
+                  </p:par>
+                </p:childTnLst>
+              </p:cTn>
+              <p:prevCondLst>
+                <p:cond evt="onPrev" delay="0">
+                  <p:tgtEl>
+                    <p:sldTgt/>
+                  </p:tgtEl>
+                </p:cond>
+              </p:prevCondLst>
+              <p:nextCondLst>
+                <p:cond evt="onNext" delay="0">
+                  <p:tgtEl>
+                    <p:sldTgt/>
+                  </p:tgtEl>
+                </p:cond>
+              </p:nextCondLst>
+            </p:seq>
+          </p:childTnLst>
+        </p:cTn>
+      </p:par>
+    </p:tnLst>
+  </p:timing>
 </p:sld>
 </file>
 
@@ -10595,13 +10815,25 @@
               <a:rPr lang="zh-CN" altLang="en-US" dirty="0">
                 <a:sym typeface="+mn-ea"/>
               </a:rPr>
-              <a:t>类选择器 </a:t>
+              <a:t>类选择器</a:t>
+            </a:r>
+            <a:r>
+              <a:rPr lang="zh-CN" altLang="en-US" dirty="0">
+                <a:sym typeface="+mn-ea"/>
+              </a:rPr>
+              <a:t> </a:t>
             </a:r>
             <a:r>
               <a:rPr lang="en-US" altLang="zh-CN" dirty="0">
                 <a:sym typeface="+mn-ea"/>
               </a:rPr>
-              <a:t>—— </a:t>
+              <a:t>——</a:t>
+            </a:r>
+            <a:r>
+              <a:rPr lang="en-US" altLang="zh-CN" dirty="0">
+                <a:sym typeface="+mn-ea"/>
+              </a:rPr>
+              <a:t> </a:t>
             </a:r>
             <a:r>
               <a:rPr lang="zh-CN" altLang="en-US" dirty="0">
@@ -10692,7 +10924,7 @@
               </a:rPr>
               <a:t>”开投诉定义的选择符</a:t>
             </a:r>
-            <a:endParaRPr kumimoji="1" lang="en-US" altLang="en-US" dirty="0" err="1">
+            <a:endParaRPr kumimoji="1" lang="en-US" altLang="zh-CN" dirty="0">
               <a:solidFill>
                 <a:srgbClr val="FF0000"/>
               </a:solidFill>
@@ -10711,14 +10943,17 @@
               <a:rPr lang="en-US" altLang="zh-CN" dirty="0">
                 <a:sym typeface="+mn-ea"/>
               </a:rPr>
-              <a:t>#id1 {       }</a:t>
+              <a:t>#id1 {       }  </a:t>
             </a:r>
             <a:endParaRPr kumimoji="1" lang="en-US" altLang="en-US" dirty="0">
               <a:sym typeface="+mn-ea"/>
             </a:endParaRPr>
           </a:p>
           <a:p>
-            <a:endParaRPr lang="zh-CN" altLang="en-US"/>
+            <a:pPr marL="0" indent="0">
+              <a:buNone/>
+            </a:pPr>
+            <a:endParaRPr lang="en-US" altLang="zh-CN"/>
           </a:p>
         </p:txBody>
       </p:sp>
@@ -13429,7 +13664,7 @@
               <a:rPr altLang="zh-CN" dirty="0">
                 <a:sym typeface="+mn-ea"/>
               </a:rPr>
-              <a:t>background-color: gray ;</a:t>
+              <a:t>background-color : gray ;</a:t>
             </a:r>
             <a:endParaRPr lang="zh-CN" altLang="en-US" dirty="0" smtClean="0">
               <a:sym typeface="+mn-ea"/>
@@ -13441,7 +13676,7 @@
               <a:rPr altLang="zh-CN" dirty="0">
                 <a:sym typeface="+mn-ea"/>
               </a:rPr>
-              <a:t>background-color: #808080 </a:t>
+              <a:t>background-color : #808080 </a:t>
             </a:r>
             <a:r>
               <a:rPr lang="zh-CN" altLang="en-US" dirty="0">
@@ -13459,7 +13694,7 @@
               <a:rPr altLang="zh-CN" dirty="0">
                 <a:sym typeface="+mn-ea"/>
               </a:rPr>
-              <a:t>background-color: rgb(128,128,128) ;</a:t>
+              <a:t>background-color : rgb(128,128,128) ;</a:t>
             </a:r>
             <a:endParaRPr lang="zh-CN" altLang="en-US" dirty="0">
               <a:sym typeface="+mn-ea"/>
@@ -13482,7 +13717,7 @@
               <a:rPr lang="en-US" altLang="zh-CN" dirty="0">
                 <a:sym typeface="+mn-ea"/>
               </a:rPr>
-              <a:t>background-image: </a:t>
+              <a:t>background-image : </a:t>
             </a:r>
             <a:r>
               <a:rPr lang="zh-CN" altLang="en-US" dirty="0" smtClean="0">
@@ -13518,7 +13753,7 @@
               <a:rPr lang="en-US" altLang="zh-CN" dirty="0" err="1">
                 <a:sym typeface="+mn-ea"/>
               </a:rPr>
-              <a:t>background-repeat: repeat-x </a:t>
+              <a:t>background-repeat : repeat-x </a:t>
             </a:r>
             <a:r>
               <a:rPr lang="en-US" altLang="zh-CN" dirty="0">
@@ -13536,7 +13771,7 @@
               <a:rPr lang="en-US" altLang="zh-CN" dirty="0" err="1">
                 <a:sym typeface="+mn-ea"/>
               </a:rPr>
-              <a:t>background-position: center </a:t>
+              <a:t>background-position : center </a:t>
             </a:r>
             <a:r>
               <a:rPr lang="en-US" altLang="zh-CN" dirty="0">
@@ -18354,7 +18589,7 @@
 </file>
 
 <file path=ppt/slides/slide31.xml><?xml version="1.0" encoding="utf-8"?>
-<p:sld xmlns:a="http://schemas.openxmlformats.org/drawingml/2006/main" xmlns:r="http://schemas.openxmlformats.org/officeDocument/2006/relationships" xmlns:p="http://schemas.openxmlformats.org/presentationml/2006/main">
+<p:sld xmlns:a="http://schemas.openxmlformats.org/drawingml/2006/main" xmlns:r="http://schemas.openxmlformats.org/officeDocument/2006/relationships" xmlns:p="http://schemas.openxmlformats.org/presentationml/2006/main" show="0">
   <p:cSld>
     <p:spTree>
       <p:nvGrpSpPr>
@@ -18814,7 +19049,7 @@
             <a:pPr lvl="2"/>
             <a:r>
               <a:rPr lang="en-US" altLang="zh-CN" dirty="0" err="1"/>
-              <a:t>position:absolute</a:t>
+              <a:t>position : absolute</a:t>
             </a:r>
             <a:r>
               <a:rPr lang="zh-CN" altLang="en-US" dirty="0" err="1"/>
@@ -18830,7 +19065,7 @@
             <a:pPr lvl="2"/>
             <a:r>
               <a:rPr lang="en-US" altLang="zh-CN" dirty="0" err="1"/>
-              <a:t>position:relative</a:t>
+              <a:t>position : relative</a:t>
             </a:r>
             <a:r>
               <a:rPr lang="zh-CN" altLang="en-US" dirty="0" err="1"/>
@@ -20758,7 +20993,7 @@
                       </a:endParaRPr>
                     </a:p>
                   </a:txBody>
-                  <a:tcPr marL="121904" marR="121904" marT="45731" marB="45731"/>
+                  <a:tcPr marL="121904" marR="121904" marT="45731" marB="45731" anchor="ctr" anchorCtr="0"/>
                 </a:tc>
                 <a:tc>
                   <a:txBody>
@@ -20777,7 +21012,7 @@
                       </a:endParaRPr>
                     </a:p>
                   </a:txBody>
-                  <a:tcPr marL="121904" marR="121904" marT="45731" marB="45731"/>
+                  <a:tcPr marL="121904" marR="121904" marT="45731" marB="45731" anchor="ctr" anchorCtr="0"/>
                 </a:tc>
               </a:tr>
               <a:tr h="579254">
@@ -20798,7 +21033,7 @@
                       </a:endParaRPr>
                     </a:p>
                   </a:txBody>
-                  <a:tcPr marL="121904" marR="121904" marT="45731" marB="45731"/>
+                  <a:tcPr marL="121904" marR="121904" marT="45731" marB="45731" anchor="ctr" anchorCtr="0"/>
                 </a:tc>
                 <a:tc>
                   <a:txBody>
@@ -20809,7 +21044,7 @@
                           <a:latin typeface="微软雅黑" panose="020B0503020204020204" pitchFamily="34" charset="-122"/>
                           <a:ea typeface="微软雅黑" panose="020B0503020204020204" pitchFamily="34" charset="-122"/>
                         </a:rPr>
-                        <a:t>颜色名称（比如</a:t>
+                        <a:t>颜色名称（比如 </a:t>
                       </a:r>
                       <a:r>
                         <a:rPr lang="en-US" altLang="zh-CN" sz="2400" dirty="0">
@@ -20831,7 +21066,7 @@
                       </a:endParaRPr>
                     </a:p>
                   </a:txBody>
-                  <a:tcPr marL="121904" marR="121904" marT="45731" marB="45731"/>
+                  <a:tcPr marL="121904" marR="121904" marT="45731" marB="45731" anchor="ctr" anchorCtr="0"/>
                 </a:tc>
               </a:tr>
               <a:tr h="579254">
@@ -20873,7 +21108,7 @@
                       </a:endParaRPr>
                     </a:p>
                   </a:txBody>
-                  <a:tcPr marL="121904" marR="121904" marT="45731" marB="45731"/>
+                  <a:tcPr marL="121904" marR="121904" marT="45731" marB="45731" anchor="ctr" anchorCtr="0"/>
                 </a:tc>
                 <a:tc>
                   <a:txBody>
@@ -20891,7 +21126,7 @@
                           <a:latin typeface="微软雅黑" panose="020B0503020204020204" pitchFamily="34" charset="-122"/>
                           <a:ea typeface="微软雅黑" panose="020B0503020204020204" pitchFamily="34" charset="-122"/>
                         </a:rPr>
-                        <a:t>值（比如</a:t>
+                        <a:t>值（比如 </a:t>
                       </a:r>
                       <a:r>
                         <a:rPr lang="en-US" altLang="zh-CN" sz="2400" dirty="0" err="1">
@@ -20920,7 +21155,7 @@
                       </a:endParaRPr>
                     </a:p>
                   </a:txBody>
-                  <a:tcPr marL="121904" marR="121904" marT="45731" marB="45731"/>
+                  <a:tcPr marL="121904" marR="121904" marT="45731" marB="45731" anchor="ctr" anchorCtr="0"/>
                 </a:tc>
               </a:tr>
               <a:tr h="671830">
@@ -20962,7 +21197,7 @@
                       </a:endParaRPr>
                     </a:p>
                   </a:txBody>
-                  <a:tcPr marL="121904" marR="121904" marT="45731" marB="45731"/>
+                  <a:tcPr marL="121904" marR="121904" marT="45731" marB="45731" anchor="ctr" anchorCtr="0"/>
                 </a:tc>
                 <a:tc>
                   <a:txBody>
@@ -20980,7 +21215,7 @@
                           <a:latin typeface="微软雅黑" panose="020B0503020204020204" pitchFamily="34" charset="-122"/>
                           <a:ea typeface="微软雅黑" panose="020B0503020204020204" pitchFamily="34" charset="-122"/>
                         </a:rPr>
-                        <a:t>百分比值（比如</a:t>
+                        <a:t>百分比值（比如 </a:t>
                       </a:r>
                       <a:r>
                         <a:rPr lang="en-US" altLang="zh-CN" sz="2400" dirty="0" err="1">
@@ -21009,7 +21244,7 @@
                       </a:endParaRPr>
                     </a:p>
                   </a:txBody>
-                  <a:tcPr marL="121904" marR="121904" marT="45731" marB="45731"/>
+                  <a:tcPr marL="121904" marR="121904" marT="45731" marB="45731" anchor="ctr" anchorCtr="0"/>
                 </a:tc>
               </a:tr>
               <a:tr h="579254">
@@ -21037,7 +21272,7 @@
                       </a:endParaRPr>
                     </a:p>
                   </a:txBody>
-                  <a:tcPr marL="121904" marR="121904" marT="45731" marB="45731"/>
+                  <a:tcPr marL="121904" marR="121904" marT="45731" marB="45731" anchor="ctr" anchorCtr="0"/>
                 </a:tc>
                 <a:tc>
                   <a:txBody>
@@ -21070,7 +21305,7 @@
                       </a:endParaRPr>
                     </a:p>
                   </a:txBody>
-                  <a:tcPr marL="121904" marR="121904" marT="45731" marB="45731"/>
+                  <a:tcPr marL="121904" marR="121904" marT="45731" marB="45731" anchor="ctr" anchorCtr="0"/>
                 </a:tc>
               </a:tr>
             </a:tbl>
@@ -21160,7 +21395,7 @@
             </a:pPr>
             <a:r>
               <a:rPr lang="en-US" altLang="zh-CN" dirty="0"/>
-              <a:t>HTML</a:t>
+              <a:t>HTML </a:t>
             </a:r>
             <a:r>
               <a:rPr lang="zh-CN" altLang="en-US" dirty="0"/>
@@ -21209,7 +21444,7 @@
             </a:pPr>
             <a:r>
               <a:rPr lang="en-US" altLang="zh-CN" dirty="0"/>
-              <a:t>HTML</a:t>
+              <a:t>HTML </a:t>
             </a:r>
             <a:r>
               <a:rPr lang="zh-CN" altLang="en-US" dirty="0"/>
@@ -21421,11 +21656,13 @@
             </a:pPr>
             <a:r>
               <a:rPr lang="en-US" altLang="zh-CN" dirty="0"/>
-              <a:t>CSS</a:t>
-            </a:r>
-            <a:r>
-              <a:rPr lang="zh-CN" altLang="en-US" dirty="0"/>
-              <a:t>选择器</a:t>
+              <a:t>CSS </a:t>
+            </a:r>
+            <a:r>
+              <a:rPr lang="zh-CN" altLang="en-US" dirty="0">
+                <a:sym typeface="+mn-ea"/>
+              </a:rPr>
+              <a:t>基本语法</a:t>
             </a:r>
             <a:endParaRPr lang="zh-CN" altLang="en-US" dirty="0"/>
           </a:p>
@@ -21442,13 +21679,13 @@
               <a:rPr lang="en-US" altLang="zh-CN" dirty="0">
                 <a:sym typeface="+mn-ea"/>
               </a:rPr>
-              <a:t>CSS</a:t>
+              <a:t>CSS </a:t>
             </a:r>
             <a:r>
               <a:rPr lang="zh-CN" altLang="en-US" dirty="0">
                 <a:sym typeface="+mn-ea"/>
               </a:rPr>
-              <a:t>基本语法</a:t>
+              <a:t>基本样式</a:t>
             </a:r>
             <a:endParaRPr lang="zh-CN" altLang="en-US" dirty="0"/>
           </a:p>
@@ -21465,7 +21702,7 @@
               <a:rPr lang="en-US" altLang="zh-CN" dirty="0">
                 <a:sym typeface="+mn-ea"/>
               </a:rPr>
-              <a:t>CSS</a:t>
+              <a:t>CSS </a:t>
             </a:r>
             <a:r>
               <a:rPr lang="zh-CN" altLang="en-US" dirty="0">
@@ -21488,7 +21725,7 @@
               <a:rPr lang="en-US" altLang="zh-CN" dirty="0">
                 <a:sym typeface="+mn-ea"/>
               </a:rPr>
-              <a:t>CSS</a:t>
+              <a:t>CSS </a:t>
             </a:r>
             <a:r>
               <a:rPr lang="zh-CN" altLang="en-US" dirty="0">
@@ -26624,13 +26861,13 @@
       </p:sp>
       <p:graphicFrame>
         <p:nvGraphicFramePr>
-          <p:cNvPr id="5" name="内容占位符 4"/>
+          <p:cNvPr id="2" name="内容占位符 4"/>
           <p:cNvGraphicFramePr/>
           <p:nvPr/>
         </p:nvGraphicFramePr>
         <p:xfrm>
-          <a:off x="1055440" y="1830556"/>
-          <a:ext cx="10369152" cy="3627120"/>
+          <a:off x="1815163" y="2009775"/>
+          <a:ext cx="8754110" cy="3627120"/>
         </p:xfrm>
         <a:graphic>
           <a:graphicData uri="http://schemas.openxmlformats.org/drawingml/2006/table">
@@ -26639,12 +26876,12 @@
                 <a:tableStyleId>{D7AC3CCA-C797-4891-BE02-D94E43425B78}</a:tableStyleId>
               </a:tblPr>
               <a:tblGrid>
-                <a:gridCol w="2315519"/>
-                <a:gridCol w="2315519"/>
-                <a:gridCol w="2315519"/>
-                <a:gridCol w="3422595"/>
+                <a:gridCol w="2091690"/>
+                <a:gridCol w="2199005"/>
+                <a:gridCol w="2085340"/>
+                <a:gridCol w="2378075"/>
               </a:tblGrid>
-              <a:tr h="370840">
+              <a:tr h="518160">
                 <a:tc>
                   <a:txBody>
                     <a:bodyPr/>
@@ -26714,7 +26951,7 @@
                   <a:tcPr marL="90325" marR="90325"/>
                 </a:tc>
               </a:tr>
-              <a:tr h="370840">
+              <a:tr h="518160">
                 <a:tc>
                   <a:txBody>
                     <a:bodyPr/>
@@ -26830,7 +27067,7 @@
                   <a:tcPr marL="90325" marR="90325"/>
                 </a:tc>
               </a:tr>
-              <a:tr h="123613">
+              <a:tr h="518160">
                 <a:tc>
                   <a:txBody>
                     <a:bodyPr/>
@@ -26931,7 +27168,7 @@
                   <a:tcPr marL="90325" marR="90325"/>
                 </a:tc>
               </a:tr>
-              <a:tr h="242147">
+              <a:tr h="518160">
                 <a:tc>
                   <a:txBody>
                     <a:bodyPr/>
@@ -27032,7 +27269,7 @@
                   <a:tcPr marL="90325" marR="90325"/>
                 </a:tc>
               </a:tr>
-              <a:tr h="121920">
+              <a:tr h="518160">
                 <a:tc>
                   <a:txBody>
                     <a:bodyPr/>
@@ -27117,7 +27354,7 @@
                   <a:tcPr marL="90325" marR="90325"/>
                 </a:tc>
               </a:tr>
-              <a:tr h="243840">
+              <a:tr h="518160">
                 <a:tc>
                   <a:txBody>
                     <a:bodyPr/>
@@ -27165,7 +27402,7 @@
                       <a:pPr algn="l"/>
                       <a:r>
                         <a:rPr lang="en-US" altLang="zh-CN" sz="2800" dirty="0" smtClean="0"/>
-                        <a:t>&lt;map&gt;</a:t>
+                        <a:t>&lt;span&gt;</a:t>
                       </a:r>
                       <a:endParaRPr lang="zh-CN" altLang="en-US" sz="2800" b="1" dirty="0">
                         <a:latin typeface="Courier New" panose="02070309020205020404" pitchFamily="49" charset="0"/>
@@ -27182,7 +27419,7 @@
                       <a:pPr algn="l"/>
                       <a:r>
                         <a:rPr lang="en-US" altLang="zh-CN" sz="2800" dirty="0" smtClean="0"/>
-                        <a:t>&lt;area&gt;</a:t>
+                        <a:t>&lt;div&gt;</a:t>
                       </a:r>
                       <a:endParaRPr lang="zh-CN" altLang="en-US" sz="2800" b="1" dirty="0">
                         <a:latin typeface="Courier New" panose="02070309020205020404" pitchFamily="49" charset="0"/>
@@ -27198,113 +27435,11 @@
                     <a:p>
                       <a:pPr algn="l"/>
                       <a:r>
-                        <a:rPr lang="en-US" altLang="zh-CN" sz="2800" dirty="0" smtClean="0"/>
-                        <a:t>&lt;</a:t>
-                      </a:r>
-                      <a:r>
-                        <a:rPr lang="en-US" altLang="zh-CN" sz="2800" dirty="0" err="1" smtClean="0"/>
-                        <a:t>iframe</a:t>
-                      </a:r>
-                      <a:r>
-                        <a:rPr lang="en-US" altLang="zh-CN" sz="2800" dirty="0" smtClean="0"/>
-                        <a:t>&gt;</a:t>
-                      </a:r>
-                      <a:endParaRPr lang="en-US" altLang="zh-CN" sz="2800" b="1" dirty="0" smtClean="0">
-                        <a:latin typeface="Courier New" panose="02070309020205020404" pitchFamily="49" charset="0"/>
-                        <a:cs typeface="Courier New" panose="02070309020205020404" pitchFamily="49" charset="0"/>
-                      </a:endParaRPr>
-                    </a:p>
-                  </a:txBody>
-                  <a:tcPr marL="90325" marR="90325"/>
-                </a:tc>
-              </a:tr>
-              <a:tr h="121920">
-                <a:tc>
-                  <a:txBody>
-                    <a:bodyPr/>
-                    <a:p>
-                      <a:pPr marL="0" marR="0" indent="0" algn="l" defTabSz="914400" rtl="0" eaLnBrk="1" fontAlgn="auto" latinLnBrk="0" hangingPunct="1">
-                        <a:lnSpc>
-                          <a:spcPct val="100000"/>
-                        </a:lnSpc>
-                        <a:spcBef>
-                          <a:spcPts val="0"/>
-                        </a:spcBef>
-                        <a:spcAft>
-                          <a:spcPts val="0"/>
-                        </a:spcAft>
-                        <a:buClrTx/>
-                        <a:buSzTx/>
-                        <a:buFontTx/>
-                        <a:buNone/>
-                        <a:defRPr/>
-                      </a:pPr>
-                      <a:r>
-                        <a:rPr lang="en-US" altLang="zh-CN" sz="2800" dirty="0" smtClean="0"/>
-                        <a:t>&lt;font&gt;</a:t>
-                      </a:r>
-                      <a:endParaRPr lang="zh-CN" altLang="en-US" sz="2800" b="1" dirty="0" smtClean="0">
-                        <a:latin typeface="Courier New" panose="02070309020205020404" pitchFamily="49" charset="0"/>
-                        <a:cs typeface="Courier New" panose="02070309020205020404" pitchFamily="49" charset="0"/>
-                      </a:endParaRPr>
-                    </a:p>
-                  </a:txBody>
-                  <a:tcPr marL="90325" marR="90325"/>
-                </a:tc>
-                <a:tc>
-                  <a:txBody>
-                    <a:bodyPr/>
-                    <a:p>
-                      <a:pPr marL="0" marR="0" indent="0" algn="l" defTabSz="914400" rtl="0" eaLnBrk="1" fontAlgn="auto" latinLnBrk="0" hangingPunct="1">
-                        <a:lnSpc>
-                          <a:spcPct val="100000"/>
-                        </a:lnSpc>
-                        <a:spcBef>
-                          <a:spcPts val="0"/>
-                        </a:spcBef>
-                        <a:spcAft>
-                          <a:spcPts val="0"/>
-                        </a:spcAft>
-                        <a:buClrTx/>
-                        <a:buSzTx/>
-                        <a:buFontTx/>
-                        <a:buNone/>
-                        <a:defRPr/>
-                      </a:pPr>
-                      <a:r>
-                        <a:rPr lang="en-US" altLang="zh-CN" sz="2800" dirty="0" smtClean="0"/>
-                        <a:t>&lt;div&gt;</a:t>
-                      </a:r>
-                      <a:endParaRPr lang="zh-CN" altLang="en-US" sz="2800" b="1" dirty="0" smtClean="0">
-                        <a:latin typeface="Courier New" panose="02070309020205020404" pitchFamily="49" charset="0"/>
-                        <a:cs typeface="Courier New" panose="02070309020205020404" pitchFamily="49" charset="0"/>
-                      </a:endParaRPr>
-                    </a:p>
-                  </a:txBody>
-                  <a:tcPr marL="90325" marR="90325"/>
-                </a:tc>
-                <a:tc>
-                  <a:txBody>
-                    <a:bodyPr/>
-                    <a:p>
-                      <a:pPr algn="l"/>
-                      <a:r>
-                        <a:rPr lang="en-US" altLang="zh-CN" sz="2800" dirty="0" smtClean="0"/>
+                        <a:rPr lang="en-US" altLang="zh-CN" sz="2800" dirty="0" smtClean="0">
+                          <a:sym typeface="+mn-ea"/>
+                        </a:rPr>
                         <a:t>…….</a:t>
                       </a:r>
-                      <a:endParaRPr lang="zh-CN" altLang="en-US" sz="2800" b="1" dirty="0">
-                        <a:latin typeface="Courier New" panose="02070309020205020404" pitchFamily="49" charset="0"/>
-                        <a:cs typeface="Courier New" panose="02070309020205020404" pitchFamily="49" charset="0"/>
-                      </a:endParaRPr>
-                    </a:p>
-                  </a:txBody>
-                  <a:tcPr marL="90325" marR="90325"/>
-                </a:tc>
-                <a:tc>
-                  <a:txBody>
-                    <a:bodyPr/>
-                    <a:p>
-                      <a:pPr algn="l"/>
                       <a:endParaRPr lang="en-US" altLang="zh-CN" sz="2800" b="1" dirty="0" smtClean="0">
                         <a:latin typeface="Courier New" panose="02070309020205020404" pitchFamily="49" charset="0"/>
                         <a:cs typeface="Courier New" panose="02070309020205020404" pitchFamily="49" charset="0"/>
